--- a/Sprint2/week3/interim presentation.pptx
+++ b/Sprint2/week3/interim presentation.pptx
@@ -145,7 +145,7 @@
 <file path=ppt/revisionInfo.xml><?xml version="1.0" encoding="utf-8"?>
 <p1510:revInfo xmlns:a="http://schemas.openxmlformats.org/drawingml/2006/main" xmlns:r="http://schemas.openxmlformats.org/officeDocument/2006/relationships" xmlns:p1510="http://schemas.microsoft.com/office/powerpoint/2015/10/main">
   <p1510:revLst>
-    <p1510:client id="{3F24E111-B7DA-47D8-9543-D9E86A11577B}" v="2" dt="2022-05-11T09:49:08.446"/>
+    <p1510:client id="{0F19D791-7FF5-4E21-8B6B-FFC2C7DDF952}" v="2" dt="2022-05-16T14:28:48.058"/>
   </p1510:revLst>
 </p1510:revInfo>
 </file>
@@ -503,6 +503,91 @@
       </pc:sldChg>
     </pc:docChg>
   </pc:docChgLst>
+  <pc:docChgLst>
+    <pc:chgData name="Zanders, Celine" userId="aabe59ea-19bd-4f85-bd14-717f915397f0" providerId="ADAL" clId="{0F19D791-7FF5-4E21-8B6B-FFC2C7DDF952}"/>
+    <pc:docChg chg="custSel modSld">
+      <pc:chgData name="Zanders, Celine" userId="aabe59ea-19bd-4f85-bd14-717f915397f0" providerId="ADAL" clId="{0F19D791-7FF5-4E21-8B6B-FFC2C7DDF952}" dt="2022-05-16T14:28:51.363" v="154" actId="27614"/>
+      <pc:docMkLst>
+        <pc:docMk/>
+      </pc:docMkLst>
+      <pc:sldChg chg="modSp mod">
+        <pc:chgData name="Zanders, Celine" userId="aabe59ea-19bd-4f85-bd14-717f915397f0" providerId="ADAL" clId="{0F19D791-7FF5-4E21-8B6B-FFC2C7DDF952}" dt="2022-05-16T13:58:48.846" v="74" actId="20577"/>
+        <pc:sldMkLst>
+          <pc:docMk/>
+          <pc:sldMk cId="645681891" sldId="297"/>
+        </pc:sldMkLst>
+        <pc:spChg chg="mod">
+          <ac:chgData name="Zanders, Celine" userId="aabe59ea-19bd-4f85-bd14-717f915397f0" providerId="ADAL" clId="{0F19D791-7FF5-4E21-8B6B-FFC2C7DDF952}" dt="2022-05-16T13:58:48.846" v="74" actId="20577"/>
+          <ac:spMkLst>
+            <pc:docMk/>
+            <pc:sldMk cId="645681891" sldId="297"/>
+            <ac:spMk id="13" creationId="{56680200-68FF-1C2B-4473-C18A85781CC8}"/>
+          </ac:spMkLst>
+        </pc:spChg>
+      </pc:sldChg>
+      <pc:sldChg chg="modSp mod">
+        <pc:chgData name="Zanders, Celine" userId="aabe59ea-19bd-4f85-bd14-717f915397f0" providerId="ADAL" clId="{0F19D791-7FF5-4E21-8B6B-FFC2C7DDF952}" dt="2022-05-16T14:08:39.074" v="120" actId="20577"/>
+        <pc:sldMkLst>
+          <pc:docMk/>
+          <pc:sldMk cId="142486075" sldId="298"/>
+        </pc:sldMkLst>
+        <pc:spChg chg="mod">
+          <ac:chgData name="Zanders, Celine" userId="aabe59ea-19bd-4f85-bd14-717f915397f0" providerId="ADAL" clId="{0F19D791-7FF5-4E21-8B6B-FFC2C7DDF952}" dt="2022-05-16T14:08:39.074" v="120" actId="20577"/>
+          <ac:spMkLst>
+            <pc:docMk/>
+            <pc:sldMk cId="142486075" sldId="298"/>
+            <ac:spMk id="13" creationId="{53E4D507-D404-8274-8A8F-805764914CB5}"/>
+          </ac:spMkLst>
+        </pc:spChg>
+      </pc:sldChg>
+      <pc:sldChg chg="addSp delSp modSp mod">
+        <pc:chgData name="Zanders, Celine" userId="aabe59ea-19bd-4f85-bd14-717f915397f0" providerId="ADAL" clId="{0F19D791-7FF5-4E21-8B6B-FFC2C7DDF952}" dt="2022-05-16T14:28:51.363" v="154" actId="27614"/>
+        <pc:sldMkLst>
+          <pc:docMk/>
+          <pc:sldMk cId="88466721" sldId="299"/>
+        </pc:sldMkLst>
+        <pc:spChg chg="del">
+          <ac:chgData name="Zanders, Celine" userId="aabe59ea-19bd-4f85-bd14-717f915397f0" providerId="ADAL" clId="{0F19D791-7FF5-4E21-8B6B-FFC2C7DDF952}" dt="2022-05-16T14:28:48.058" v="153"/>
+          <ac:spMkLst>
+            <pc:docMk/>
+            <pc:sldMk cId="88466721" sldId="299"/>
+            <ac:spMk id="3" creationId="{2A1A44F6-68F4-47F1-9DD8-1465DD46C18B}"/>
+          </ac:spMkLst>
+        </pc:spChg>
+        <pc:picChg chg="add mod">
+          <ac:chgData name="Zanders, Celine" userId="aabe59ea-19bd-4f85-bd14-717f915397f0" providerId="ADAL" clId="{0F19D791-7FF5-4E21-8B6B-FFC2C7DDF952}" dt="2022-05-16T14:28:51.363" v="154" actId="27614"/>
+          <ac:picMkLst>
+            <pc:docMk/>
+            <pc:sldMk cId="88466721" sldId="299"/>
+            <ac:picMk id="7" creationId="{AAA90567-5959-405E-B730-ABA55E41A911}"/>
+          </ac:picMkLst>
+        </pc:picChg>
+      </pc:sldChg>
+      <pc:sldChg chg="addSp modSp mod">
+        <pc:chgData name="Zanders, Celine" userId="aabe59ea-19bd-4f85-bd14-717f915397f0" providerId="ADAL" clId="{0F19D791-7FF5-4E21-8B6B-FFC2C7DDF952}" dt="2022-05-16T14:09:15.562" v="152" actId="1076"/>
+        <pc:sldMkLst>
+          <pc:docMk/>
+          <pc:sldMk cId="2955072160" sldId="300"/>
+        </pc:sldMkLst>
+        <pc:spChg chg="mod">
+          <ac:chgData name="Zanders, Celine" userId="aabe59ea-19bd-4f85-bd14-717f915397f0" providerId="ADAL" clId="{0F19D791-7FF5-4E21-8B6B-FFC2C7DDF952}" dt="2022-05-16T14:08:53.074" v="147" actId="5793"/>
+          <ac:spMkLst>
+            <pc:docMk/>
+            <pc:sldMk cId="2955072160" sldId="300"/>
+            <ac:spMk id="3" creationId="{4936DCEB-A432-42E8-95BC-798A19151359}"/>
+          </ac:spMkLst>
+        </pc:spChg>
+        <pc:picChg chg="add mod">
+          <ac:chgData name="Zanders, Celine" userId="aabe59ea-19bd-4f85-bd14-717f915397f0" providerId="ADAL" clId="{0F19D791-7FF5-4E21-8B6B-FFC2C7DDF952}" dt="2022-05-16T14:09:15.562" v="152" actId="1076"/>
+          <ac:picMkLst>
+            <pc:docMk/>
+            <pc:sldMk cId="2955072160" sldId="300"/>
+            <ac:picMk id="7" creationId="{818584CE-3A8D-4CDF-BDF4-E51553F71F5C}"/>
+          </ac:picMkLst>
+        </pc:picChg>
+      </pc:sldChg>
+    </pc:docChg>
+  </pc:docChgLst>
 </pc:chgInfo>
 </file>
 
@@ -588,7 +673,7 @@
           <a:p>
             <a:fld id="{05F25DE2-B715-4EA4-8CF0-DA425EA806A7}" type="datetimeFigureOut">
               <a:rPr lang="en-GB" smtClean="0"/>
-              <a:t>11/05/2022</a:t>
+              <a:t>16/05/2022</a:t>
             </a:fld>
             <a:endParaRPr lang="en-GB"/>
           </a:p>
@@ -9550,6 +9635,40 @@
           <a:bodyPr/>
           <a:lstStyle/>
           <a:p>
+            <a:pPr marL="342900" indent="-342900">
+              <a:buFont typeface="Arial" panose="020B0604020202020204" pitchFamily="34" charset="0"/>
+              <a:buChar char="•"/>
+            </a:pPr>
+            <a:r>
+              <a:rPr lang="en-US" dirty="0"/>
+              <a:t>Sort disks</a:t>
+            </a:r>
+          </a:p>
+          <a:p>
+            <a:pPr marL="342900" indent="-342900">
+              <a:buFont typeface="Arial" panose="020B0604020202020204" pitchFamily="34" charset="0"/>
+              <a:buChar char="•"/>
+            </a:pPr>
+            <a:r>
+              <a:rPr lang="en-US" dirty="0"/>
+              <a:t>Pick disk from belt</a:t>
+            </a:r>
+          </a:p>
+          <a:p>
+            <a:pPr marL="342900" indent="-342900">
+              <a:buFont typeface="Arial" panose="020B0604020202020204" pitchFamily="34" charset="0"/>
+              <a:buChar char="•"/>
+            </a:pPr>
+            <a:r>
+              <a:rPr lang="en-US" dirty="0"/>
+              <a:t>Create melody based on disk pattern</a:t>
+            </a:r>
+          </a:p>
+          <a:p>
+            <a:pPr marL="342900" indent="-342900">
+              <a:buFont typeface="Arial" panose="020B0604020202020204" pitchFamily="34" charset="0"/>
+              <a:buChar char="•"/>
+            </a:pPr>
             <a:endParaRPr lang="en-US" dirty="0"/>
           </a:p>
         </p:txBody>
@@ -9750,7 +9869,54 @@
           <a:bodyPr/>
           <a:lstStyle/>
           <a:p>
-            <a:endParaRPr lang="en-US"/>
+            <a:pPr marL="342900" indent="-342900">
+              <a:buFont typeface="Arial" panose="020B0604020202020204" pitchFamily="34" charset="0"/>
+              <a:buChar char="•"/>
+            </a:pPr>
+            <a:r>
+              <a:rPr lang="en-US" dirty="0"/>
+              <a:t>Push</a:t>
+            </a:r>
+          </a:p>
+          <a:p>
+            <a:pPr marL="342900" indent="-342900">
+              <a:buFont typeface="Arial" panose="020B0604020202020204" pitchFamily="34" charset="0"/>
+              <a:buChar char="•"/>
+            </a:pPr>
+            <a:r>
+              <a:rPr lang="en-US" dirty="0"/>
+              <a:t>Grab</a:t>
+            </a:r>
+          </a:p>
+          <a:p>
+            <a:pPr marL="342900" indent="-342900">
+              <a:buFont typeface="Arial" panose="020B0604020202020204" pitchFamily="34" charset="0"/>
+              <a:buChar char="•"/>
+            </a:pPr>
+            <a:r>
+              <a:rPr lang="en-US" dirty="0"/>
+              <a:t>2 servos</a:t>
+            </a:r>
+          </a:p>
+          <a:p>
+            <a:pPr marL="342900" indent="-342900">
+              <a:buFont typeface="Arial" panose="020B0604020202020204" pitchFamily="34" charset="0"/>
+              <a:buChar char="•"/>
+            </a:pPr>
+            <a:r>
+              <a:rPr lang="en-US" dirty="0"/>
+              <a:t>Optics</a:t>
+            </a:r>
+          </a:p>
+          <a:p>
+            <a:pPr marL="342900" indent="-342900">
+              <a:buFont typeface="Arial" panose="020B0604020202020204" pitchFamily="34" charset="0"/>
+              <a:buChar char="•"/>
+            </a:pPr>
+            <a:r>
+              <a:rPr lang="en-US" dirty="0"/>
+              <a:t>melody</a:t>
+            </a:r>
           </a:p>
         </p:txBody>
       </p:sp>
@@ -9941,7 +10107,41 @@
           <a:bodyPr/>
           <a:lstStyle/>
           <a:p>
-            <a:endParaRPr lang="en-NL"/>
+            <a:pPr marL="342900" indent="-342900">
+              <a:buFont typeface="Arial" panose="020B0604020202020204" pitchFamily="34" charset="0"/>
+              <a:buChar char="•"/>
+            </a:pPr>
+            <a:r>
+              <a:rPr lang="en-US" dirty="0"/>
+              <a:t>Pusher</a:t>
+            </a:r>
+          </a:p>
+          <a:p>
+            <a:pPr marL="342900" indent="-342900">
+              <a:buFont typeface="Arial" panose="020B0604020202020204" pitchFamily="34" charset="0"/>
+              <a:buChar char="•"/>
+            </a:pPr>
+            <a:r>
+              <a:rPr lang="en-US" dirty="0"/>
+              <a:t>2 servos</a:t>
+            </a:r>
+          </a:p>
+          <a:p>
+            <a:pPr marL="342900" indent="-342900">
+              <a:buFont typeface="Arial" panose="020B0604020202020204" pitchFamily="34" charset="0"/>
+              <a:buChar char="•"/>
+            </a:pPr>
+            <a:r>
+              <a:rPr lang="en-US" dirty="0"/>
+              <a:t>Grabber</a:t>
+            </a:r>
+          </a:p>
+          <a:p>
+            <a:pPr marL="342900" indent="-342900">
+              <a:buFont typeface="Arial" panose="020B0604020202020204" pitchFamily="34" charset="0"/>
+              <a:buChar char="•"/>
+            </a:pPr>
+            <a:endParaRPr lang="en-NL" dirty="0"/>
           </a:p>
         </p:txBody>
       </p:sp>
@@ -10007,6 +10207,42 @@
           </a:p>
         </p:txBody>
       </p:sp>
+      <p:pic>
+        <p:nvPicPr>
+          <p:cNvPr id="7" name="Picture 6" descr="A picture containing diagram&#10;&#10;Description automatically generated">
+            <a:extLst>
+              <a:ext uri="{FF2B5EF4-FFF2-40B4-BE49-F238E27FC236}">
+                <a16:creationId xmlns:a16="http://schemas.microsoft.com/office/drawing/2014/main" id="{818584CE-3A8D-4CDF-BDF4-E51553F71F5C}"/>
+              </a:ext>
+            </a:extLst>
+          </p:cNvPr>
+          <p:cNvPicPr>
+            <a:picLocks noChangeAspect="1"/>
+          </p:cNvPicPr>
+          <p:nvPr/>
+        </p:nvPicPr>
+        <p:blipFill>
+          <a:blip r:embed="rId2">
+            <a:extLst>
+              <a:ext uri="{28A0092B-C50C-407E-A947-70E740481C1C}">
+                <a14:useLocalDpi xmlns:a14="http://schemas.microsoft.com/office/drawing/2010/main" val="0"/>
+              </a:ext>
+            </a:extLst>
+          </a:blip>
+          <a:stretch>
+            <a:fillRect/>
+          </a:stretch>
+        </p:blipFill>
+        <p:spPr>
+          <a:xfrm>
+            <a:off x="5498370" y="1306642"/>
+            <a:ext cx="3513498" cy="2755900"/>
+          </a:xfrm>
+          <a:prstGeom prst="rect">
+            <a:avLst/>
+          </a:prstGeom>
+        </p:spPr>
+      </p:pic>
     </p:spTree>
     <p:extLst>
       <p:ext uri="{BB962C8B-B14F-4D97-AF65-F5344CB8AC3E}">
@@ -10086,31 +10322,41 @@
           </a:p>
         </p:txBody>
       </p:sp>
-      <p:sp>
-        <p:nvSpPr>
-          <p:cNvPr id="3" name="Content Placeholder 2">
+      <p:pic>
+        <p:nvPicPr>
+          <p:cNvPr id="7" name="Content Placeholder 6" descr="Diagram&#10;&#10;Description automatically generated">
             <a:extLst>
               <a:ext uri="{FF2B5EF4-FFF2-40B4-BE49-F238E27FC236}">
-                <a16:creationId xmlns:a16="http://schemas.microsoft.com/office/drawing/2014/main" id="{2A1A44F6-68F4-47F1-9DD8-1465DD46C18B}"/>
+                <a16:creationId xmlns:a16="http://schemas.microsoft.com/office/drawing/2014/main" id="{AAA90567-5959-405E-B730-ABA55E41A911}"/>
               </a:ext>
             </a:extLst>
           </p:cNvPr>
-          <p:cNvSpPr>
-            <a:spLocks noGrp="1"/>
-          </p:cNvSpPr>
+          <p:cNvPicPr>
+            <a:picLocks noGrp="1" noChangeAspect="1"/>
+          </p:cNvPicPr>
           <p:nvPr>
             <p:ph idx="1"/>
           </p:nvPr>
-        </p:nvSpPr>
-        <p:spPr/>
-        <p:txBody>
-          <a:bodyPr/>
-          <a:lstStyle/>
-          <a:p>
-            <a:endParaRPr lang="en-NL"/>
-          </a:p>
-        </p:txBody>
-      </p:sp>
+        </p:nvPicPr>
+        <p:blipFill>
+          <a:blip r:embed="rId2">
+            <a:extLst>
+              <a:ext uri="{28A0092B-C50C-407E-A947-70E740481C1C}">
+                <a14:useLocalDpi xmlns:a14="http://schemas.microsoft.com/office/drawing/2010/main" val="0"/>
+              </a:ext>
+            </a:extLst>
+          </a:blip>
+          <a:stretch>
+            <a:fillRect/>
+          </a:stretch>
+        </p:blipFill>
+        <p:spPr>
+          <a:xfrm>
+            <a:off x="758825" y="1930709"/>
+            <a:ext cx="7556500" cy="1674194"/>
+          </a:xfrm>
+        </p:spPr>
+      </p:pic>
       <p:sp>
         <p:nvSpPr>
           <p:cNvPr id="4" name="Footer Placeholder 3">
@@ -11162,15 +11408,6 @@
 </file>
 
 <file path=customXml/item1.xml><?xml version="1.0" encoding="utf-8"?>
-<?mso-contentType ?>
-<FormTemplates xmlns="http://schemas.microsoft.com/sharepoint/v3/contenttype/forms">
-  <Display>DocumentLibraryForm</Display>
-  <Edit>DocumentLibraryForm</Edit>
-  <New>DocumentLibraryForm</New>
-</FormTemplates>
-</file>
-
-<file path=customXml/item2.xml><?xml version="1.0" encoding="utf-8"?>
 <ct:contentTypeSchema xmlns:ct="http://schemas.microsoft.com/office/2006/metadata/contentType" xmlns:ma="http://schemas.microsoft.com/office/2006/metadata/properties/metaAttributes" ct:_="" ma:_="" ma:contentTypeName="Document" ma:contentTypeID="0x0101006BB6BF46F7EA1A4E983AF30979396F0C" ma:contentTypeVersion="11" ma:contentTypeDescription="Create a new document." ma:contentTypeScope="" ma:versionID="0bc695bc4ca3932d77ddce15281ce6c4">
   <xsd:schema xmlns:xsd="http://www.w3.org/2001/XMLSchema" xmlns:xs="http://www.w3.org/2001/XMLSchema" xmlns:p="http://schemas.microsoft.com/office/2006/metadata/properties" xmlns:ns3="d88cd4c5-2737-49bf-b4d4-a80908b4fb20" xmlns:ns4="73c1045c-5f0e-4ca3-bebc-b500b6a6fff8" targetNamespace="http://schemas.microsoft.com/office/2006/metadata/properties" ma:root="true" ma:fieldsID="f47bc992e5af26ccdc7a75bdcfd097ff" ns3:_="" ns4:_="">
     <xsd:import namespace="d88cd4c5-2737-49bf-b4d4-a80908b4fb20"/>
@@ -11381,6 +11618,15 @@
 </ct:contentTypeSchema>
 </file>
 
+<file path=customXml/item2.xml><?xml version="1.0" encoding="utf-8"?>
+<?mso-contentType ?>
+<FormTemplates xmlns="http://schemas.microsoft.com/sharepoint/v3/contenttype/forms">
+  <Display>DocumentLibraryForm</Display>
+  <Edit>DocumentLibraryForm</Edit>
+  <New>DocumentLibraryForm</New>
+</FormTemplates>
+</file>
+
 <file path=customXml/item3.xml><?xml version="1.0" encoding="utf-8"?>
 <p:properties xmlns:p="http://schemas.microsoft.com/office/2006/metadata/properties" xmlns:xsi="http://www.w3.org/2001/XMLSchema-instance" xmlns:pc="http://schemas.microsoft.com/office/infopath/2007/PartnerControls">
   <documentManagement/>
@@ -11388,14 +11634,6 @@
 </file>
 
 <file path=customXml/itemProps1.xml><?xml version="1.0" encoding="utf-8"?>
-<ds:datastoreItem xmlns:ds="http://schemas.openxmlformats.org/officeDocument/2006/customXml" ds:itemID="{A19CCF07-9C70-4B2E-B303-A21B764A0A64}">
-  <ds:schemaRefs>
-    <ds:schemaRef ds:uri="http://schemas.microsoft.com/sharepoint/v3/contenttype/forms"/>
-  </ds:schemaRefs>
-</ds:datastoreItem>
-</file>
-
-<file path=customXml/itemProps2.xml><?xml version="1.0" encoding="utf-8"?>
 <ds:datastoreItem xmlns:ds="http://schemas.openxmlformats.org/officeDocument/2006/customXml" ds:itemID="{B96F53C3-E26D-47D8-8438-BF380A60B9AE}">
   <ds:schemaRefs>
     <ds:schemaRef ds:uri="73c1045c-5f0e-4ca3-bebc-b500b6a6fff8"/>
@@ -11410,6 +11648,14 @@
     <ds:schemaRef ds:uri="http://schemas.microsoft.com/office/infopath/2007/PartnerControls"/>
     <ds:schemaRef ds:uri="http://schemas.openxmlformats.org/package/2006/metadata/core-properties"/>
     <ds:schemaRef ds:uri="http://www.w3.org/2001/XMLSchema"/>
+  </ds:schemaRefs>
+</ds:datastoreItem>
+</file>
+
+<file path=customXml/itemProps2.xml><?xml version="1.0" encoding="utf-8"?>
+<ds:datastoreItem xmlns:ds="http://schemas.openxmlformats.org/officeDocument/2006/customXml" ds:itemID="{A19CCF07-9C70-4B2E-B303-A21B764A0A64}">
+  <ds:schemaRefs>
+    <ds:schemaRef ds:uri="http://schemas.microsoft.com/sharepoint/v3/contenttype/forms"/>
   </ds:schemaRefs>
 </ds:datastoreItem>
 </file>

--- a/Sprint2/week3/interim presentation.pptx
+++ b/Sprint2/week3/interim presentation.pptx
@@ -5,7 +5,7 @@
     <p:sldMasterId id="2147483689" r:id="rId4"/>
   </p:sldMasterIdLst>
   <p:notesMasterIdLst>
-    <p:notesMasterId r:id="rId15"/>
+    <p:notesMasterId r:id="rId14"/>
   </p:notesMasterIdLst>
   <p:sldIdLst>
     <p:sldId id="256" r:id="rId5"/>
@@ -15,9 +15,8 @@
     <p:sldId id="300" r:id="rId9"/>
     <p:sldId id="299" r:id="rId10"/>
     <p:sldId id="302" r:id="rId11"/>
-    <p:sldId id="301" r:id="rId12"/>
-    <p:sldId id="303" r:id="rId13"/>
-    <p:sldId id="304" r:id="rId14"/>
+    <p:sldId id="303" r:id="rId12"/>
+    <p:sldId id="304" r:id="rId13"/>
   </p:sldIdLst>
   <p:sldSz cx="9144000" cy="5143500" type="screen16x9"/>
   <p:notesSz cx="6858000" cy="9144000"/>
@@ -145,7 +144,7 @@
 <file path=ppt/revisionInfo.xml><?xml version="1.0" encoding="utf-8"?>
 <p1510:revInfo xmlns:a="http://schemas.openxmlformats.org/drawingml/2006/main" xmlns:r="http://schemas.openxmlformats.org/officeDocument/2006/relationships" xmlns:p1510="http://schemas.microsoft.com/office/powerpoint/2015/10/main">
   <p1510:revLst>
-    <p1510:client id="{0F19D791-7FF5-4E21-8B6B-FFC2C7DDF952}" v="2" dt="2022-05-16T14:28:48.058"/>
+    <p1510:client id="{0F19D791-7FF5-4E21-8B6B-FFC2C7DDF952}" v="3" dt="2022-05-19T20:07:26.006"/>
   </p1510:revLst>
 </p1510:revInfo>
 </file>
@@ -505,8 +504,8 @@
   </pc:docChgLst>
   <pc:docChgLst>
     <pc:chgData name="Zanders, Celine" userId="aabe59ea-19bd-4f85-bd14-717f915397f0" providerId="ADAL" clId="{0F19D791-7FF5-4E21-8B6B-FFC2C7DDF952}"/>
-    <pc:docChg chg="custSel modSld">
-      <pc:chgData name="Zanders, Celine" userId="aabe59ea-19bd-4f85-bd14-717f915397f0" providerId="ADAL" clId="{0F19D791-7FF5-4E21-8B6B-FFC2C7DDF952}" dt="2022-05-16T14:28:51.363" v="154" actId="27614"/>
+    <pc:docChg chg="custSel delSld modSld sldOrd">
+      <pc:chgData name="Zanders, Celine" userId="aabe59ea-19bd-4f85-bd14-717f915397f0" providerId="ADAL" clId="{0F19D791-7FF5-4E21-8B6B-FFC2C7DDF952}" dt="2022-05-19T20:09:51.980" v="246" actId="2696"/>
       <pc:docMkLst>
         <pc:docMk/>
       </pc:docMkLst>
@@ -586,6 +585,59 @@
           </ac:picMkLst>
         </pc:picChg>
       </pc:sldChg>
+      <pc:sldChg chg="del ord">
+        <pc:chgData name="Zanders, Celine" userId="aabe59ea-19bd-4f85-bd14-717f915397f0" providerId="ADAL" clId="{0F19D791-7FF5-4E21-8B6B-FFC2C7DDF952}" dt="2022-05-19T20:09:51.980" v="246" actId="2696"/>
+        <pc:sldMkLst>
+          <pc:docMk/>
+          <pc:sldMk cId="2161982654" sldId="301"/>
+        </pc:sldMkLst>
+      </pc:sldChg>
+      <pc:sldChg chg="addSp delSp modSp mod">
+        <pc:chgData name="Zanders, Celine" userId="aabe59ea-19bd-4f85-bd14-717f915397f0" providerId="ADAL" clId="{0F19D791-7FF5-4E21-8B6B-FFC2C7DDF952}" dt="2022-05-19T20:09:45.412" v="245" actId="20577"/>
+        <pc:sldMkLst>
+          <pc:docMk/>
+          <pc:sldMk cId="4121735809" sldId="302"/>
+        </pc:sldMkLst>
+        <pc:spChg chg="mod">
+          <ac:chgData name="Zanders, Celine" userId="aabe59ea-19bd-4f85-bd14-717f915397f0" providerId="ADAL" clId="{0F19D791-7FF5-4E21-8B6B-FFC2C7DDF952}" dt="2022-05-19T20:09:45.412" v="245" actId="20577"/>
+          <ac:spMkLst>
+            <pc:docMk/>
+            <pc:sldMk cId="4121735809" sldId="302"/>
+            <ac:spMk id="2" creationId="{92B23E8E-3186-4F56-98D2-AE79A8CDC268}"/>
+          </ac:spMkLst>
+        </pc:spChg>
+        <pc:spChg chg="del">
+          <ac:chgData name="Zanders, Celine" userId="aabe59ea-19bd-4f85-bd14-717f915397f0" providerId="ADAL" clId="{0F19D791-7FF5-4E21-8B6B-FFC2C7DDF952}" dt="2022-05-19T20:07:26.004" v="157"/>
+          <ac:spMkLst>
+            <pc:docMk/>
+            <pc:sldMk cId="4121735809" sldId="302"/>
+            <ac:spMk id="3" creationId="{69F41239-3770-40BC-B42F-71D22CFEAFAF}"/>
+          </ac:spMkLst>
+        </pc:spChg>
+        <pc:picChg chg="add mod">
+          <ac:chgData name="Zanders, Celine" userId="aabe59ea-19bd-4f85-bd14-717f915397f0" providerId="ADAL" clId="{0F19D791-7FF5-4E21-8B6B-FFC2C7DDF952}" dt="2022-05-19T20:07:29.002" v="158" actId="27614"/>
+          <ac:picMkLst>
+            <pc:docMk/>
+            <pc:sldMk cId="4121735809" sldId="302"/>
+            <ac:picMk id="7" creationId="{6C15E593-4EAC-4B53-9556-F48E96518713}"/>
+          </ac:picMkLst>
+        </pc:picChg>
+      </pc:sldChg>
+      <pc:sldChg chg="modSp mod">
+        <pc:chgData name="Zanders, Celine" userId="aabe59ea-19bd-4f85-bd14-717f915397f0" providerId="ADAL" clId="{0F19D791-7FF5-4E21-8B6B-FFC2C7DDF952}" dt="2022-05-19T20:09:23.058" v="236" actId="20577"/>
+        <pc:sldMkLst>
+          <pc:docMk/>
+          <pc:sldMk cId="3933082668" sldId="303"/>
+        </pc:sldMkLst>
+        <pc:spChg chg="mod">
+          <ac:chgData name="Zanders, Celine" userId="aabe59ea-19bd-4f85-bd14-717f915397f0" providerId="ADAL" clId="{0F19D791-7FF5-4E21-8B6B-FFC2C7DDF952}" dt="2022-05-19T20:09:23.058" v="236" actId="20577"/>
+          <ac:spMkLst>
+            <pc:docMk/>
+            <pc:sldMk cId="3933082668" sldId="303"/>
+            <ac:spMk id="3" creationId="{838AB1A1-EF5C-4A33-AC21-A85A2D2AAD6D}"/>
+          </ac:spMkLst>
+        </pc:spChg>
+      </pc:sldChg>
     </pc:docChg>
   </pc:docChgLst>
 </pc:chgInfo>
@@ -673,7 +725,7 @@
           <a:p>
             <a:fld id="{05F25DE2-B715-4EA4-8CF0-DA425EA806A7}" type="datetimeFigureOut">
               <a:rPr lang="en-GB" smtClean="0"/>
-              <a:t>16/05/2022</a:t>
+              <a:t>19/05/2022</a:t>
             </a:fld>
             <a:endParaRPr lang="en-GB"/>
           </a:p>
@@ -9078,164 +9130,6 @@
 </p:sld>
 </file>
 
-<file path=ppt/slides/slide10.xml><?xml version="1.0" encoding="utf-8"?>
-<p:sld xmlns:a="http://schemas.openxmlformats.org/drawingml/2006/main" xmlns:r="http://schemas.openxmlformats.org/officeDocument/2006/relationships" xmlns:p="http://schemas.openxmlformats.org/presentationml/2006/main">
-  <p:cSld>
-    <p:spTree>
-      <p:nvGrpSpPr>
-        <p:cNvPr id="1" name=""/>
-        <p:cNvGrpSpPr/>
-        <p:nvPr/>
-      </p:nvGrpSpPr>
-      <p:grpSpPr>
-        <a:xfrm>
-          <a:off x="0" y="0"/>
-          <a:ext cx="0" cy="0"/>
-          <a:chOff x="0" y="0"/>
-          <a:chExt cx="0" cy="0"/>
-        </a:xfrm>
-      </p:grpSpPr>
-      <p:sp>
-        <p:nvSpPr>
-          <p:cNvPr id="2" name="Title 1">
-            <a:extLst>
-              <a:ext uri="{FF2B5EF4-FFF2-40B4-BE49-F238E27FC236}">
-                <a16:creationId xmlns:a16="http://schemas.microsoft.com/office/drawing/2014/main" id="{4D42701F-4113-4F97-B56F-2C9B6E77D398}"/>
-              </a:ext>
-            </a:extLst>
-          </p:cNvPr>
-          <p:cNvSpPr>
-            <a:spLocks noGrp="1"/>
-          </p:cNvSpPr>
-          <p:nvPr>
-            <p:ph type="title"/>
-          </p:nvPr>
-        </p:nvSpPr>
-        <p:spPr/>
-        <p:txBody>
-          <a:bodyPr/>
-          <a:lstStyle/>
-          <a:p>
-            <a:r>
-              <a:rPr lang="en-US" dirty="0"/>
-              <a:t>Questions/ Remarks?</a:t>
-            </a:r>
-            <a:endParaRPr lang="en-NL" dirty="0"/>
-          </a:p>
-        </p:txBody>
-      </p:sp>
-      <p:sp>
-        <p:nvSpPr>
-          <p:cNvPr id="3" name="Content Placeholder 2">
-            <a:extLst>
-              <a:ext uri="{FF2B5EF4-FFF2-40B4-BE49-F238E27FC236}">
-                <a16:creationId xmlns:a16="http://schemas.microsoft.com/office/drawing/2014/main" id="{F7E8E1C2-0DA2-4EEF-9F18-970B40E29190}"/>
-              </a:ext>
-            </a:extLst>
-          </p:cNvPr>
-          <p:cNvSpPr>
-            <a:spLocks noGrp="1"/>
-          </p:cNvSpPr>
-          <p:nvPr>
-            <p:ph idx="1"/>
-          </p:nvPr>
-        </p:nvSpPr>
-        <p:spPr/>
-        <p:txBody>
-          <a:bodyPr/>
-          <a:lstStyle/>
-          <a:p>
-            <a:endParaRPr lang="en-NL"/>
-          </a:p>
-        </p:txBody>
-      </p:sp>
-      <p:sp>
-        <p:nvSpPr>
-          <p:cNvPr id="4" name="Footer Placeholder 3">
-            <a:extLst>
-              <a:ext uri="{FF2B5EF4-FFF2-40B4-BE49-F238E27FC236}">
-                <a16:creationId xmlns:a16="http://schemas.microsoft.com/office/drawing/2014/main" id="{AAC125AA-86CD-4965-8522-8C266A6127A1}"/>
-              </a:ext>
-            </a:extLst>
-          </p:cNvPr>
-          <p:cNvSpPr>
-            <a:spLocks noGrp="1"/>
-          </p:cNvSpPr>
-          <p:nvPr>
-            <p:ph type="ftr" sz="quarter" idx="11"/>
-          </p:nvPr>
-        </p:nvSpPr>
-        <p:spPr/>
-        <p:txBody>
-          <a:bodyPr/>
-          <a:lstStyle/>
-          <a:p>
-            <a:pPr>
-              <a:spcAft>
-                <a:spcPts val="450"/>
-              </a:spcAft>
-            </a:pPr>
-            <a:r>
-              <a:rPr lang="en-GB" dirty="0"/>
-              <a:t>Embedded Systems: Group 25</a:t>
-            </a:r>
-          </a:p>
-        </p:txBody>
-      </p:sp>
-      <p:sp>
-        <p:nvSpPr>
-          <p:cNvPr id="5" name="Slide Number Placeholder 4">
-            <a:extLst>
-              <a:ext uri="{FF2B5EF4-FFF2-40B4-BE49-F238E27FC236}">
-                <a16:creationId xmlns:a16="http://schemas.microsoft.com/office/drawing/2014/main" id="{861FBA37-7611-4299-8442-336D011824A4}"/>
-              </a:ext>
-            </a:extLst>
-          </p:cNvPr>
-          <p:cNvSpPr>
-            <a:spLocks noGrp="1"/>
-          </p:cNvSpPr>
-          <p:nvPr>
-            <p:ph type="sldNum" sz="quarter" idx="12"/>
-          </p:nvPr>
-        </p:nvSpPr>
-        <p:spPr/>
-        <p:txBody>
-          <a:bodyPr/>
-          <a:lstStyle/>
-          <a:p>
-            <a:fld id="{C194BDB0-F4EA-4DD6-8281-CCE2440D0CE0}" type="slidenum">
-              <a:rPr lang="en-GB" smtClean="0"/>
-              <a:t>10</a:t>
-            </a:fld>
-            <a:endParaRPr lang="en-GB"/>
-          </a:p>
-        </p:txBody>
-      </p:sp>
-    </p:spTree>
-    <p:extLst>
-      <p:ext uri="{BB962C8B-B14F-4D97-AF65-F5344CB8AC3E}">
-        <p14:creationId xmlns:p14="http://schemas.microsoft.com/office/powerpoint/2010/main" val="1816568848"/>
-      </p:ext>
-    </p:extLst>
-  </p:cSld>
-  <p:clrMapOvr>
-    <a:masterClrMapping/>
-  </p:clrMapOvr>
-  <mc:AlternateContent xmlns:mc="http://schemas.openxmlformats.org/markup-compatibility/2006" xmlns:p14="http://schemas.microsoft.com/office/powerpoint/2010/main">
-    <mc:Choice Requires="p14">
-      <p:transition spd="med" p14:dur="700">
-        <p:fade/>
-      </p:transition>
-    </mc:Choice>
-    <mc:Fallback xmlns="">
-      <p:transition spd="med">
-        <p:fade/>
-      </p:transition>
-    </mc:Fallback>
-  </mc:AlternateContent>
-</p:sld>
-</file>
-
 <file path=ppt/slides/slide2.xml><?xml version="1.0" encoding="utf-8"?>
 <p:sld xmlns:a="http://schemas.openxmlformats.org/drawingml/2006/main" xmlns:r="http://schemas.openxmlformats.org/officeDocument/2006/relationships" xmlns:p="http://schemas.openxmlformats.org/presentationml/2006/main">
   <p:cSld>
@@ -10492,37 +10386,47 @@
             </a:pPr>
             <a:r>
               <a:rPr lang="en-US" sz="2800" dirty="0"/>
-              <a:t>Preliminary simulations</a:t>
+              <a:t>Preliminary simulation/results</a:t>
             </a:r>
             <a:endParaRPr lang="en-NL" dirty="0"/>
           </a:p>
         </p:txBody>
       </p:sp>
-      <p:sp>
-        <p:nvSpPr>
-          <p:cNvPr id="3" name="Content Placeholder 2">
+      <p:pic>
+        <p:nvPicPr>
+          <p:cNvPr id="7" name="Content Placeholder 6" descr="A picture containing website&#10;&#10;Description automatically generated">
             <a:extLst>
               <a:ext uri="{FF2B5EF4-FFF2-40B4-BE49-F238E27FC236}">
-                <a16:creationId xmlns:a16="http://schemas.microsoft.com/office/drawing/2014/main" id="{69F41239-3770-40BC-B42F-71D22CFEAFAF}"/>
+                <a16:creationId xmlns:a16="http://schemas.microsoft.com/office/drawing/2014/main" id="{6C15E593-4EAC-4B53-9556-F48E96518713}"/>
               </a:ext>
             </a:extLst>
           </p:cNvPr>
-          <p:cNvSpPr>
-            <a:spLocks noGrp="1"/>
-          </p:cNvSpPr>
+          <p:cNvPicPr>
+            <a:picLocks noGrp="1" noChangeAspect="1"/>
+          </p:cNvPicPr>
           <p:nvPr>
             <p:ph idx="1"/>
           </p:nvPr>
-        </p:nvSpPr>
-        <p:spPr/>
-        <p:txBody>
-          <a:bodyPr/>
-          <a:lstStyle/>
-          <a:p>
-            <a:endParaRPr lang="en-NL" dirty="0"/>
-          </a:p>
-        </p:txBody>
-      </p:sp>
+        </p:nvPicPr>
+        <p:blipFill>
+          <a:blip r:embed="rId2">
+            <a:extLst>
+              <a:ext uri="{28A0092B-C50C-407E-A947-70E740481C1C}">
+                <a14:useLocalDpi xmlns:a14="http://schemas.microsoft.com/office/drawing/2010/main" val="0"/>
+              </a:ext>
+            </a:extLst>
+          </a:blip>
+          <a:stretch>
+            <a:fillRect/>
+          </a:stretch>
+        </p:blipFill>
+        <p:spPr>
+          <a:xfrm>
+            <a:off x="2094791" y="1306513"/>
+            <a:ext cx="4884568" cy="2922587"/>
+          </a:xfrm>
+        </p:spPr>
+      </p:pic>
       <p:sp>
         <p:nvSpPr>
           <p:cNvPr id="4" name="Footer Placeholder 3">
@@ -10632,7 +10536,7 @@
           <p:cNvPr id="2" name="Title 1">
             <a:extLst>
               <a:ext uri="{FF2B5EF4-FFF2-40B4-BE49-F238E27FC236}">
-                <a16:creationId xmlns:a16="http://schemas.microsoft.com/office/drawing/2014/main" id="{44E63059-9277-4E4C-89C0-359DCB3229CB}"/>
+                <a16:creationId xmlns:a16="http://schemas.microsoft.com/office/drawing/2014/main" id="{E8702164-9662-4A4E-850B-C2FB870E1500}"/>
               </a:ext>
             </a:extLst>
           </p:cNvPr>
@@ -10658,8 +10562,11 @@
             </a:pPr>
             <a:r>
               <a:rPr lang="en-US" sz="2800" dirty="0"/>
-              <a:t>Preliminary results</a:t>
-            </a:r>
+              <a:t>Problems in progress</a:t>
+            </a:r>
+            <a:br>
+              <a:rPr lang="en-US" sz="2800" dirty="0"/>
+            </a:br>
             <a:endParaRPr lang="en-NL" dirty="0"/>
           </a:p>
         </p:txBody>
@@ -10669,7 +10576,7 @@
           <p:cNvPr id="3" name="Content Placeholder 2">
             <a:extLst>
               <a:ext uri="{FF2B5EF4-FFF2-40B4-BE49-F238E27FC236}">
-                <a16:creationId xmlns:a16="http://schemas.microsoft.com/office/drawing/2014/main" id="{EEBF4FD9-D026-403C-98D9-A1C7290DAB8E}"/>
+                <a16:creationId xmlns:a16="http://schemas.microsoft.com/office/drawing/2014/main" id="{838AB1A1-EF5C-4A33-AC21-A85A2D2AAD6D}"/>
               </a:ext>
             </a:extLst>
           </p:cNvPr>
@@ -10685,7 +10592,25 @@
           <a:bodyPr/>
           <a:lstStyle/>
           <a:p>
-            <a:endParaRPr lang="en-NL"/>
+            <a:pPr marL="342900" indent="-342900">
+              <a:buFont typeface="Arial" panose="020B0604020202020204" pitchFamily="34" charset="0"/>
+              <a:buChar char="•"/>
+            </a:pPr>
+            <a:r>
+              <a:rPr lang="en-US" dirty="0"/>
+              <a:t>During meetings not always everyone on campus</a:t>
+            </a:r>
+          </a:p>
+          <a:p>
+            <a:pPr marL="342900" indent="-342900">
+              <a:buFont typeface="Arial" panose="020B0604020202020204" pitchFamily="34" charset="0"/>
+              <a:buChar char="•"/>
+            </a:pPr>
+            <a:r>
+              <a:rPr lang="en-US" dirty="0"/>
+              <a:t>No further problems</a:t>
+            </a:r>
+            <a:endParaRPr lang="en-NL" dirty="0"/>
           </a:p>
         </p:txBody>
       </p:sp>
@@ -10694,7 +10619,7 @@
           <p:cNvPr id="4" name="Footer Placeholder 3">
             <a:extLst>
               <a:ext uri="{FF2B5EF4-FFF2-40B4-BE49-F238E27FC236}">
-                <a16:creationId xmlns:a16="http://schemas.microsoft.com/office/drawing/2014/main" id="{64D8562C-4DD1-4218-A269-C8F773A3A702}"/>
+                <a16:creationId xmlns:a16="http://schemas.microsoft.com/office/drawing/2014/main" id="{9767D705-8C8D-4112-BA09-740217BFDF56}"/>
               </a:ext>
             </a:extLst>
           </p:cNvPr>
@@ -10727,7 +10652,7 @@
           <p:cNvPr id="5" name="Slide Number Placeholder 4">
             <a:extLst>
               <a:ext uri="{FF2B5EF4-FFF2-40B4-BE49-F238E27FC236}">
-                <a16:creationId xmlns:a16="http://schemas.microsoft.com/office/drawing/2014/main" id="{77FA5F7F-65BC-45F0-847F-3219C0387240}"/>
+                <a16:creationId xmlns:a16="http://schemas.microsoft.com/office/drawing/2014/main" id="{42C489B8-82C4-4DBC-A0B2-001478D01636}"/>
               </a:ext>
             </a:extLst>
           </p:cNvPr>
@@ -10754,7 +10679,7 @@
     </p:spTree>
     <p:extLst>
       <p:ext uri="{BB962C8B-B14F-4D97-AF65-F5344CB8AC3E}">
-        <p14:creationId xmlns:p14="http://schemas.microsoft.com/office/powerpoint/2010/main" val="2161982654"/>
+        <p14:creationId xmlns:p14="http://schemas.microsoft.com/office/powerpoint/2010/main" val="3933082668"/>
       </p:ext>
     </p:extLst>
   </p:cSld>
@@ -10798,7 +10723,7 @@
           <p:cNvPr id="2" name="Title 1">
             <a:extLst>
               <a:ext uri="{FF2B5EF4-FFF2-40B4-BE49-F238E27FC236}">
-                <a16:creationId xmlns:a16="http://schemas.microsoft.com/office/drawing/2014/main" id="{E8702164-9662-4A4E-850B-C2FB870E1500}"/>
+                <a16:creationId xmlns:a16="http://schemas.microsoft.com/office/drawing/2014/main" id="{4D42701F-4113-4F97-B56F-2C9B6E77D398}"/>
               </a:ext>
             </a:extLst>
           </p:cNvPr>
@@ -10814,21 +10739,10 @@
           <a:bodyPr/>
           <a:lstStyle/>
           <a:p>
-            <a:pPr marL="342900" indent="-342900">
-              <a:lnSpc>
-                <a:spcPct val="90000"/>
-              </a:lnSpc>
-              <a:spcAft>
-                <a:spcPts val="450"/>
-              </a:spcAft>
-            </a:pPr>
-            <a:r>
-              <a:rPr lang="en-US" sz="2800" dirty="0"/>
-              <a:t>Problems in progress</a:t>
-            </a:r>
-            <a:br>
-              <a:rPr lang="en-US" sz="2800" dirty="0"/>
-            </a:br>
+            <a:r>
+              <a:rPr lang="en-US" dirty="0"/>
+              <a:t>Questions/ Remarks?</a:t>
+            </a:r>
             <a:endParaRPr lang="en-NL" dirty="0"/>
           </a:p>
         </p:txBody>
@@ -10838,7 +10752,7 @@
           <p:cNvPr id="3" name="Content Placeholder 2">
             <a:extLst>
               <a:ext uri="{FF2B5EF4-FFF2-40B4-BE49-F238E27FC236}">
-                <a16:creationId xmlns:a16="http://schemas.microsoft.com/office/drawing/2014/main" id="{838AB1A1-EF5C-4A33-AC21-A85A2D2AAD6D}"/>
+                <a16:creationId xmlns:a16="http://schemas.microsoft.com/office/drawing/2014/main" id="{F7E8E1C2-0DA2-4EEF-9F18-970B40E29190}"/>
               </a:ext>
             </a:extLst>
           </p:cNvPr>
@@ -10863,7 +10777,7 @@
           <p:cNvPr id="4" name="Footer Placeholder 3">
             <a:extLst>
               <a:ext uri="{FF2B5EF4-FFF2-40B4-BE49-F238E27FC236}">
-                <a16:creationId xmlns:a16="http://schemas.microsoft.com/office/drawing/2014/main" id="{9767D705-8C8D-4112-BA09-740217BFDF56}"/>
+                <a16:creationId xmlns:a16="http://schemas.microsoft.com/office/drawing/2014/main" id="{AAC125AA-86CD-4965-8522-8C266A6127A1}"/>
               </a:ext>
             </a:extLst>
           </p:cNvPr>
@@ -10896,7 +10810,7 @@
           <p:cNvPr id="5" name="Slide Number Placeholder 4">
             <a:extLst>
               <a:ext uri="{FF2B5EF4-FFF2-40B4-BE49-F238E27FC236}">
-                <a16:creationId xmlns:a16="http://schemas.microsoft.com/office/drawing/2014/main" id="{42C489B8-82C4-4DBC-A0B2-001478D01636}"/>
+                <a16:creationId xmlns:a16="http://schemas.microsoft.com/office/drawing/2014/main" id="{861FBA37-7611-4299-8442-336D011824A4}"/>
               </a:ext>
             </a:extLst>
           </p:cNvPr>
@@ -10923,7 +10837,7 @@
     </p:spTree>
     <p:extLst>
       <p:ext uri="{BB962C8B-B14F-4D97-AF65-F5344CB8AC3E}">
-        <p14:creationId xmlns:p14="http://schemas.microsoft.com/office/powerpoint/2010/main" val="3933082668"/>
+        <p14:creationId xmlns:p14="http://schemas.microsoft.com/office/powerpoint/2010/main" val="1816568848"/>
       </p:ext>
     </p:extLst>
   </p:cSld>

--- a/Sprint2/week3/interim presentation.pptx
+++ b/Sprint2/week3/interim presentation.pptx
@@ -725,7 +725,7 @@
           <a:p>
             <a:fld id="{05F25DE2-B715-4EA4-8CF0-DA425EA806A7}" type="datetimeFigureOut">
               <a:rPr lang="en-GB" smtClean="0"/>
-              <a:t>19/05/2022</a:t>
+              <a:t>25/05/2022</a:t>
             </a:fld>
             <a:endParaRPr lang="en-GB"/>
           </a:p>
@@ -10116,7 +10116,7 @@
           <p:nvPr/>
         </p:nvPicPr>
         <p:blipFill>
-          <a:blip r:embed="rId2">
+          <a:blip r:embed="rId2" cstate="print">
             <a:extLst>
               <a:ext uri="{28A0092B-C50C-407E-A947-70E740481C1C}">
                 <a14:useLocalDpi xmlns:a14="http://schemas.microsoft.com/office/drawing/2010/main" val="0"/>
@@ -10129,7 +10129,7 @@
         </p:blipFill>
         <p:spPr>
           <a:xfrm>
-            <a:off x="5498370" y="1306642"/>
+            <a:off x="5498370" y="1310016"/>
             <a:ext cx="3513498" cy="2755900"/>
           </a:xfrm>
           <a:prstGeom prst="rect">
@@ -10409,7 +10409,7 @@
           </p:nvPr>
         </p:nvPicPr>
         <p:blipFill>
-          <a:blip r:embed="rId2">
+          <a:blip r:embed="rId2" cstate="print">
             <a:extLst>
               <a:ext uri="{28A0092B-C50C-407E-A947-70E740481C1C}">
                 <a14:useLocalDpi xmlns:a14="http://schemas.microsoft.com/office/drawing/2010/main" val="0"/>
@@ -11322,6 +11322,21 @@
 </file>
 
 <file path=customXml/item1.xml><?xml version="1.0" encoding="utf-8"?>
+<p:properties xmlns:p="http://schemas.microsoft.com/office/2006/metadata/properties" xmlns:xsi="http://www.w3.org/2001/XMLSchema-instance" xmlns:pc="http://schemas.microsoft.com/office/infopath/2007/PartnerControls">
+  <documentManagement/>
+</p:properties>
+</file>
+
+<file path=customXml/item2.xml><?xml version="1.0" encoding="utf-8"?>
+<?mso-contentType ?>
+<FormTemplates xmlns="http://schemas.microsoft.com/sharepoint/v3/contenttype/forms">
+  <Display>DocumentLibraryForm</Display>
+  <Edit>DocumentLibraryForm</Edit>
+  <New>DocumentLibraryForm</New>
+</FormTemplates>
+</file>
+
+<file path=customXml/item3.xml><?xml version="1.0" encoding="utf-8"?>
 <ct:contentTypeSchema xmlns:ct="http://schemas.microsoft.com/office/2006/metadata/contentType" xmlns:ma="http://schemas.microsoft.com/office/2006/metadata/properties/metaAttributes" ct:_="" ma:_="" ma:contentTypeName="Document" ma:contentTypeID="0x0101006BB6BF46F7EA1A4E983AF30979396F0C" ma:contentTypeVersion="11" ma:contentTypeDescription="Create a new document." ma:contentTypeScope="" ma:versionID="0bc695bc4ca3932d77ddce15281ce6c4">
   <xsd:schema xmlns:xsd="http://www.w3.org/2001/XMLSchema" xmlns:xs="http://www.w3.org/2001/XMLSchema" xmlns:p="http://schemas.microsoft.com/office/2006/metadata/properties" xmlns:ns3="d88cd4c5-2737-49bf-b4d4-a80908b4fb20" xmlns:ns4="73c1045c-5f0e-4ca3-bebc-b500b6a6fff8" targetNamespace="http://schemas.microsoft.com/office/2006/metadata/properties" ma:root="true" ma:fieldsID="f47bc992e5af26ccdc7a75bdcfd097ff" ns3:_="" ns4:_="">
     <xsd:import namespace="d88cd4c5-2737-49bf-b4d4-a80908b4fb20"/>
@@ -11532,22 +11547,32 @@
 </ct:contentTypeSchema>
 </file>
 
-<file path=customXml/item2.xml><?xml version="1.0" encoding="utf-8"?>
-<?mso-contentType ?>
-<FormTemplates xmlns="http://schemas.microsoft.com/sharepoint/v3/contenttype/forms">
-  <Display>DocumentLibraryForm</Display>
-  <Edit>DocumentLibraryForm</Edit>
-  <New>DocumentLibraryForm</New>
-</FormTemplates>
+<file path=customXml/itemProps1.xml><?xml version="1.0" encoding="utf-8"?>
+<ds:datastoreItem xmlns:ds="http://schemas.openxmlformats.org/officeDocument/2006/customXml" ds:itemID="{EAF8FF3E-7142-46A1-B487-85BAE74C4064}">
+  <ds:schemaRefs>
+    <ds:schemaRef ds:uri="73c1045c-5f0e-4ca3-bebc-b500b6a6fff8"/>
+    <ds:schemaRef ds:uri="d88cd4c5-2737-49bf-b4d4-a80908b4fb20"/>
+    <ds:schemaRef ds:uri="http://purl.org/dc/dcmitype/"/>
+    <ds:schemaRef ds:uri="http://purl.org/dc/elements/1.1/"/>
+    <ds:schemaRef ds:uri="http://purl.org/dc/terms/"/>
+    <ds:schemaRef ds:uri="http://schemas.microsoft.com/office/2006/documentManagement/types"/>
+    <ds:schemaRef ds:uri="http://schemas.microsoft.com/office/2006/metadata/properties"/>
+    <ds:schemaRef ds:uri="http://schemas.microsoft.com/office/infopath/2007/PartnerControls"/>
+    <ds:schemaRef ds:uri="http://schemas.openxmlformats.org/package/2006/metadata/core-properties"/>
+    <ds:schemaRef ds:uri="http://www.w3.org/XML/1998/namespace"/>
+  </ds:schemaRefs>
+</ds:datastoreItem>
 </file>
 
-<file path=customXml/item3.xml><?xml version="1.0" encoding="utf-8"?>
-<p:properties xmlns:p="http://schemas.microsoft.com/office/2006/metadata/properties" xmlns:xsi="http://www.w3.org/2001/XMLSchema-instance" xmlns:pc="http://schemas.microsoft.com/office/infopath/2007/PartnerControls">
-  <documentManagement/>
-</p:properties>
+<file path=customXml/itemProps2.xml><?xml version="1.0" encoding="utf-8"?>
+<ds:datastoreItem xmlns:ds="http://schemas.openxmlformats.org/officeDocument/2006/customXml" ds:itemID="{A19CCF07-9C70-4B2E-B303-A21B764A0A64}">
+  <ds:schemaRefs>
+    <ds:schemaRef ds:uri="http://schemas.microsoft.com/sharepoint/v3/contenttype/forms"/>
+  </ds:schemaRefs>
+</ds:datastoreItem>
 </file>
 
-<file path=customXml/itemProps1.xml><?xml version="1.0" encoding="utf-8"?>
+<file path=customXml/itemProps3.xml><?xml version="1.0" encoding="utf-8"?>
 <ds:datastoreItem xmlns:ds="http://schemas.openxmlformats.org/officeDocument/2006/customXml" ds:itemID="{B96F53C3-E26D-47D8-8438-BF380A60B9AE}">
   <ds:schemaRefs>
     <ds:schemaRef ds:uri="73c1045c-5f0e-4ca3-bebc-b500b6a6fff8"/>
@@ -11564,29 +11589,4 @@
     <ds:schemaRef ds:uri="http://www.w3.org/2001/XMLSchema"/>
   </ds:schemaRefs>
 </ds:datastoreItem>
-</file>
-
-<file path=customXml/itemProps2.xml><?xml version="1.0" encoding="utf-8"?>
-<ds:datastoreItem xmlns:ds="http://schemas.openxmlformats.org/officeDocument/2006/customXml" ds:itemID="{A19CCF07-9C70-4B2E-B303-A21B764A0A64}">
-  <ds:schemaRefs>
-    <ds:schemaRef ds:uri="http://schemas.microsoft.com/sharepoint/v3/contenttype/forms"/>
-  </ds:schemaRefs>
-</ds:datastoreItem>
-</file>
-
-<file path=customXml/itemProps3.xml><?xml version="1.0" encoding="utf-8"?>
-<ds:datastoreItem xmlns:ds="http://schemas.openxmlformats.org/officeDocument/2006/customXml" ds:itemID="{EAF8FF3E-7142-46A1-B487-85BAE74C4064}">
-  <ds:schemaRefs>
-    <ds:schemaRef ds:uri="73c1045c-5f0e-4ca3-bebc-b500b6a6fff8"/>
-    <ds:schemaRef ds:uri="d88cd4c5-2737-49bf-b4d4-a80908b4fb20"/>
-    <ds:schemaRef ds:uri="http://purl.org/dc/dcmitype/"/>
-    <ds:schemaRef ds:uri="http://purl.org/dc/elements/1.1/"/>
-    <ds:schemaRef ds:uri="http://purl.org/dc/terms/"/>
-    <ds:schemaRef ds:uri="http://schemas.microsoft.com/office/2006/documentManagement/types"/>
-    <ds:schemaRef ds:uri="http://schemas.microsoft.com/office/2006/metadata/properties"/>
-    <ds:schemaRef ds:uri="http://schemas.microsoft.com/office/infopath/2007/PartnerControls"/>
-    <ds:schemaRef ds:uri="http://schemas.openxmlformats.org/package/2006/metadata/core-properties"/>
-    <ds:schemaRef ds:uri="http://www.w3.org/XML/1998/namespace"/>
-  </ds:schemaRefs>
-</ds:datastoreItem>
 </file>